--- a/15_Ch05_PassportSetup.pptx
+++ b/15_Ch05_PassportSetup.pptx
@@ -3738,25 +3738,7 @@
                 </a:solidFill>
                 <a:latin typeface="+mj-lt"/>
               </a:rPr>
-              <a:t>We created all different </a:t>
-            </a:r>
-            <a:r>
-              <a:rPr lang="en-US" altLang="zh-TW" sz="1800" b="1" dirty="0" smtClean="0">
-                <a:solidFill>
-                  <a:schemeClr val="tx1"/>
-                </a:solidFill>
-                <a:latin typeface="+mj-lt"/>
-              </a:rPr>
-              <a:t> </a:t>
-            </a:r>
-            <a:r>
-              <a:rPr lang="en-US" altLang="zh-TW" sz="1800" b="1" dirty="0" smtClean="0">
-                <a:solidFill>
-                  <a:schemeClr val="tx1"/>
-                </a:solidFill>
-                <a:latin typeface="+mj-lt"/>
-              </a:rPr>
-              <a:t>auth route, such as, login route, etc. </a:t>
+              <a:t>We created all different  auth route, such as, login route, etc. </a:t>
             </a:r>
           </a:p>
           <a:p>
@@ -3777,12 +3759,6 @@
               </a:rPr>
               <a:t>We want to install passport into our project.</a:t>
             </a:r>
-            <a:endParaRPr lang="en-US" altLang="zh-TW" sz="1800" b="1" dirty="0" smtClean="0">
-              <a:solidFill>
-                <a:schemeClr val="tx1"/>
-              </a:solidFill>
-              <a:latin typeface="+mj-lt"/>
-            </a:endParaRPr>
           </a:p>
         </p:txBody>
       </p:sp>
@@ -4428,12 +4404,6 @@
               </a:rPr>
               <a:t>Second, install strategy. There are strategies over this website.  Click “Strategies” to check. There are 502 ways to login.</a:t>
             </a:r>
-            <a:endParaRPr lang="en-US" altLang="zh-TW" sz="1800" b="1" dirty="0" smtClean="0">
-              <a:solidFill>
-                <a:schemeClr val="tx1"/>
-              </a:solidFill>
-              <a:latin typeface="+mj-lt"/>
-            </a:endParaRPr>
           </a:p>
         </p:txBody>
       </p:sp>
@@ -4836,25 +4806,7 @@
                 </a:solidFill>
                 <a:latin typeface="+mj-lt"/>
               </a:rPr>
-              <a:t>Second, install strategy and </a:t>
-            </a:r>
-            <a:r>
-              <a:rPr lang="en-US" altLang="zh-TW" sz="1800" b="1" dirty="0" smtClean="0">
-                <a:solidFill>
-                  <a:schemeClr val="tx1"/>
-                </a:solidFill>
-                <a:latin typeface="+mj-lt"/>
-              </a:rPr>
-              <a:t>all </a:t>
-            </a:r>
-            <a:r>
-              <a:rPr lang="en-US" altLang="zh-TW" sz="1800" b="1" dirty="0" smtClean="0">
-                <a:solidFill>
-                  <a:schemeClr val="tx1"/>
-                </a:solidFill>
-                <a:latin typeface="+mj-lt"/>
-              </a:rPr>
-              <a:t>over this website.  Click “Strategies” to check. There are 502 ways to login. There are </a:t>
+              <a:t>Second, install strategy and all over this website.  Click “Strategies” to check. There are 502 ways to login. There are </a:t>
             </a:r>
             <a:r>
               <a:rPr lang="en-US" altLang="zh-TW" sz="1800" b="1" dirty="0" err="1" smtClean="0">
@@ -4892,12 +4844,6 @@
               </a:rPr>
               <a:t> ways to login.</a:t>
             </a:r>
-            <a:endParaRPr lang="en-US" altLang="zh-TW" sz="1800" b="1" dirty="0" smtClean="0">
-              <a:solidFill>
-                <a:schemeClr val="tx1"/>
-              </a:solidFill>
-              <a:latin typeface="+mj-lt"/>
-            </a:endParaRPr>
           </a:p>
         </p:txBody>
       </p:sp>
@@ -5306,12 +5252,6 @@
               </a:rPr>
               <a:t> install passport passport-google-auth20</a:t>
             </a:r>
-            <a:endParaRPr lang="en-US" altLang="zh-TW" sz="1800" b="1" dirty="0" smtClean="0">
-              <a:solidFill>
-                <a:schemeClr val="tx1"/>
-              </a:solidFill>
-              <a:latin typeface="+mj-lt"/>
-            </a:endParaRPr>
           </a:p>
         </p:txBody>
       </p:sp>
@@ -5520,7 +5460,7 @@
                   <a:srgbClr val="FFFF00"/>
                 </a:solidFill>
               </a:rPr>
-              <a:t>5.1 </a:t>
+              <a:t>5.1 Code of </a:t>
             </a:r>
             <a:r>
               <a:rPr lang="en-US" altLang="zh-TW" sz="4800" b="1" dirty="0" smtClean="0">
@@ -5528,43 +5468,13 @@
                   <a:srgbClr val="FFFF00"/>
                 </a:solidFill>
               </a:rPr>
-              <a:t>Code of Auth Route</a:t>
+              <a:t>Passport Setup</a:t>
             </a:r>
             <a:endParaRPr lang="zh-TW" altLang="en-US" sz="4800" b="1" dirty="0">
               <a:solidFill>
                 <a:srgbClr val="FFFF00"/>
               </a:solidFill>
             </a:endParaRPr>
-          </a:p>
-        </p:txBody>
-      </p:sp>
-      <p:sp>
-        <p:nvSpPr>
-          <p:cNvPr id="3" name="副標題 2"/>
-          <p:cNvSpPr>
-            <a:spLocks noGrp="1"/>
-          </p:cNvSpPr>
-          <p:nvPr>
-            <p:ph type="subTitle" idx="1"/>
-          </p:nvPr>
-        </p:nvSpPr>
-        <p:spPr>
-          <a:xfrm>
-            <a:off x="1259632" y="4581128"/>
-            <a:ext cx="6400800" cy="694928"/>
-          </a:xfrm>
-        </p:spPr>
-        <p:txBody>
-          <a:bodyPr>
-            <a:normAutofit/>
-          </a:bodyPr>
-          <a:lstStyle/>
-          <a:p>
-            <a:r>
-              <a:rPr lang="en-US" altLang="zh-TW" dirty="0" smtClean="0"/>
-              <a:t>Peter H. Chen</a:t>
-            </a:r>
-            <a:endParaRPr lang="zh-TW" altLang="en-US" dirty="0"/>
           </a:p>
         </p:txBody>
       </p:sp>
@@ -5728,15 +5638,15 @@
                   <a:srgbClr val="FFFF00"/>
                 </a:solidFill>
               </a:rPr>
-              <a:t>5.1 </a:t>
-            </a:r>
-            <a:r>
-              <a:rPr lang="en-US" altLang="zh-TW" b="1" dirty="0" smtClean="0">
+              <a:t>5.1 Code </a:t>
+            </a:r>
+            <a:r>
+              <a:rPr lang="en-US" altLang="zh-TW" b="1" smtClean="0">
                 <a:solidFill>
                   <a:srgbClr val="FFFF00"/>
                 </a:solidFill>
               </a:rPr>
-              <a:t>Code of Auth Route</a:t>
+              <a:t>of Passport Setup</a:t>
             </a:r>
             <a:endParaRPr lang="zh-TW" altLang="en-US" b="1" dirty="0">
               <a:solidFill>
@@ -5788,16 +5698,7 @@
                 </a:solidFill>
                 <a:latin typeface="+mj-lt"/>
               </a:rPr>
-              <a:t>Create </a:t>
-            </a:r>
-            <a:r>
-              <a:rPr lang="en-US" altLang="zh-TW" sz="1800" b="1" dirty="0" smtClean="0">
-                <a:solidFill>
-                  <a:schemeClr val="tx1"/>
-                </a:solidFill>
-                <a:latin typeface="+mj-lt"/>
-              </a:rPr>
-              <a:t>“</a:t>
+              <a:t>Create “</a:t>
             </a:r>
             <a:r>
               <a:rPr lang="en-US" altLang="zh-TW" sz="1800" b="1" dirty="0" err="1" smtClean="0">
@@ -5815,16 +5716,7 @@
                 </a:solidFill>
                 <a:latin typeface="+mj-lt"/>
               </a:rPr>
-              <a:t>-playlist/config/passport-setup.js” </a:t>
-            </a:r>
-            <a:r>
-              <a:rPr lang="en-US" altLang="zh-TW" sz="1800" b="1" dirty="0" smtClean="0">
-                <a:solidFill>
-                  <a:schemeClr val="tx1"/>
-                </a:solidFill>
-                <a:latin typeface="+mj-lt"/>
-              </a:rPr>
-              <a:t>file.</a:t>
+              <a:t>-playlist/config/passport-setup.js” file.</a:t>
             </a:r>
           </a:p>
         </p:txBody>
